--- a/AMBAT_DATA_ANALYSIS.pptx
+++ b/AMBAT_DATA_ANALYSIS.pptx
@@ -247,7 +247,7 @@
           <a:p>
             <a:fld id="{D887A130-2574-44D6-99D8-72658B890B4D}" type="datetimeFigureOut">
               <a:rPr lang="en-CA" smtClean="0"/>
-              <a:t>13/03/2017</a:t>
+              <a:t>20/03/2017</a:t>
             </a:fld>
             <a:endParaRPr lang="en-CA"/>
           </a:p>
@@ -417,7 +417,7 @@
           <a:p>
             <a:fld id="{D887A130-2574-44D6-99D8-72658B890B4D}" type="datetimeFigureOut">
               <a:rPr lang="en-CA" smtClean="0"/>
-              <a:t>13/03/2017</a:t>
+              <a:t>20/03/2017</a:t>
             </a:fld>
             <a:endParaRPr lang="en-CA"/>
           </a:p>
@@ -597,7 +597,7 @@
           <a:p>
             <a:fld id="{D887A130-2574-44D6-99D8-72658B890B4D}" type="datetimeFigureOut">
               <a:rPr lang="en-CA" smtClean="0"/>
-              <a:t>13/03/2017</a:t>
+              <a:t>20/03/2017</a:t>
             </a:fld>
             <a:endParaRPr lang="en-CA"/>
           </a:p>
@@ -767,7 +767,7 @@
           <a:p>
             <a:fld id="{D887A130-2574-44D6-99D8-72658B890B4D}" type="datetimeFigureOut">
               <a:rPr lang="en-CA" smtClean="0"/>
-              <a:t>13/03/2017</a:t>
+              <a:t>20/03/2017</a:t>
             </a:fld>
             <a:endParaRPr lang="en-CA"/>
           </a:p>
@@ -1013,7 +1013,7 @@
           <a:p>
             <a:fld id="{D887A130-2574-44D6-99D8-72658B890B4D}" type="datetimeFigureOut">
               <a:rPr lang="en-CA" smtClean="0"/>
-              <a:t>13/03/2017</a:t>
+              <a:t>20/03/2017</a:t>
             </a:fld>
             <a:endParaRPr lang="en-CA"/>
           </a:p>
@@ -1245,7 +1245,7 @@
           <a:p>
             <a:fld id="{D887A130-2574-44D6-99D8-72658B890B4D}" type="datetimeFigureOut">
               <a:rPr lang="en-CA" smtClean="0"/>
-              <a:t>13/03/2017</a:t>
+              <a:t>20/03/2017</a:t>
             </a:fld>
             <a:endParaRPr lang="en-CA"/>
           </a:p>
@@ -1612,7 +1612,7 @@
           <a:p>
             <a:fld id="{D887A130-2574-44D6-99D8-72658B890B4D}" type="datetimeFigureOut">
               <a:rPr lang="en-CA" smtClean="0"/>
-              <a:t>13/03/2017</a:t>
+              <a:t>20/03/2017</a:t>
             </a:fld>
             <a:endParaRPr lang="en-CA"/>
           </a:p>
@@ -1730,7 +1730,7 @@
           <a:p>
             <a:fld id="{D887A130-2574-44D6-99D8-72658B890B4D}" type="datetimeFigureOut">
               <a:rPr lang="en-CA" smtClean="0"/>
-              <a:t>13/03/2017</a:t>
+              <a:t>20/03/2017</a:t>
             </a:fld>
             <a:endParaRPr lang="en-CA"/>
           </a:p>
@@ -1825,7 +1825,7 @@
           <a:p>
             <a:fld id="{D887A130-2574-44D6-99D8-72658B890B4D}" type="datetimeFigureOut">
               <a:rPr lang="en-CA" smtClean="0"/>
-              <a:t>13/03/2017</a:t>
+              <a:t>20/03/2017</a:t>
             </a:fld>
             <a:endParaRPr lang="en-CA"/>
           </a:p>
@@ -2102,7 +2102,7 @@
           <a:p>
             <a:fld id="{D887A130-2574-44D6-99D8-72658B890B4D}" type="datetimeFigureOut">
               <a:rPr lang="en-CA" smtClean="0"/>
-              <a:t>13/03/2017</a:t>
+              <a:t>20/03/2017</a:t>
             </a:fld>
             <a:endParaRPr lang="en-CA"/>
           </a:p>
@@ -2355,7 +2355,7 @@
           <a:p>
             <a:fld id="{D887A130-2574-44D6-99D8-72658B890B4D}" type="datetimeFigureOut">
               <a:rPr lang="en-CA" smtClean="0"/>
-              <a:t>13/03/2017</a:t>
+              <a:t>20/03/2017</a:t>
             </a:fld>
             <a:endParaRPr lang="en-CA"/>
           </a:p>
@@ -2568,7 +2568,7 @@
           <a:p>
             <a:fld id="{D887A130-2574-44D6-99D8-72658B890B4D}" type="datetimeFigureOut">
               <a:rPr lang="en-CA" smtClean="0"/>
-              <a:t>13/03/2017</a:t>
+              <a:t>20/03/2017</a:t>
             </a:fld>
             <a:endParaRPr lang="en-CA"/>
           </a:p>
@@ -3003,8 +3003,25 @@
                 <a:latin typeface="Helvetica" panose="020B0604020202020204" pitchFamily="34" charset="0"/>
                 <a:cs typeface="Helvetica" panose="020B0604020202020204" pitchFamily="34" charset="0"/>
               </a:rPr>
-              <a:t>FOR DATA PRODUCTION AND ANALYSIS</a:t>
-            </a:r>
+              <a:t>FOR </a:t>
+            </a:r>
+            <a:r>
+              <a:rPr lang="en-CA" sz="3200" b="1">
+                <a:solidFill>
+                  <a:srgbClr val="009BA5"/>
+                </a:solidFill>
+                <a:latin typeface="Helvetica" panose="020B0604020202020204" pitchFamily="34" charset="0"/>
+                <a:cs typeface="Helvetica" panose="020B0604020202020204" pitchFamily="34" charset="0"/>
+              </a:rPr>
+              <a:t>DATA FARMING AND DATA ANALYSIS</a:t>
+            </a:r>
+            <a:endParaRPr lang="en-CA" sz="3200" b="1" dirty="0">
+              <a:solidFill>
+                <a:srgbClr val="009BA5"/>
+              </a:solidFill>
+              <a:latin typeface="Helvetica" panose="020B0604020202020204" pitchFamily="34" charset="0"/>
+              <a:cs typeface="Helvetica" panose="020B0604020202020204" pitchFamily="34" charset="0"/>
+            </a:endParaRPr>
           </a:p>
         </p:txBody>
       </p:sp>
